--- a/Logistik Folienmaster.pptx
+++ b/Logistik Folienmaster.pptx
@@ -5,16 +5,22 @@
     <p:sldMasterId id="2147483648" r:id="rId1"/>
   </p:sldMasterIdLst>
   <p:notesMasterIdLst>
-    <p:notesMasterId r:id="rId6"/>
+    <p:notesMasterId r:id="rId12"/>
   </p:notesMasterIdLst>
   <p:handoutMasterIdLst>
-    <p:handoutMasterId r:id="rId7"/>
+    <p:handoutMasterId r:id="rId13"/>
   </p:handoutMasterIdLst>
   <p:sldIdLst>
     <p:sldId id="1173" r:id="rId2"/>
     <p:sldId id="1223" r:id="rId3"/>
-    <p:sldId id="1225" r:id="rId4"/>
-    <p:sldId id="1222" r:id="rId5"/>
+    <p:sldId id="1226" r:id="rId4"/>
+    <p:sldId id="1225" r:id="rId5"/>
+    <p:sldId id="1227" r:id="rId6"/>
+    <p:sldId id="1228" r:id="rId7"/>
+    <p:sldId id="1229" r:id="rId8"/>
+    <p:sldId id="1230" r:id="rId9"/>
+    <p:sldId id="1231" r:id="rId10"/>
+    <p:sldId id="1222" r:id="rId11"/>
   </p:sldIdLst>
   <p:sldSz cx="12192000" cy="6858000"/>
   <p:notesSz cx="6794500" cy="9931400"/>
@@ -120,7 +126,13 @@
           <p14:sldIdLst>
             <p14:sldId id="1173"/>
             <p14:sldId id="1223"/>
+            <p14:sldId id="1226"/>
             <p14:sldId id="1225"/>
+            <p14:sldId id="1227"/>
+            <p14:sldId id="1228"/>
+            <p14:sldId id="1229"/>
+            <p14:sldId id="1230"/>
+            <p14:sldId id="1231"/>
             <p14:sldId id="1222"/>
           </p14:sldIdLst>
         </p14:section>
@@ -273,7 +285,7 @@
             <a:fld id="{23F11D1E-962B-4F1C-AB1B-F760EEAB72BE}" type="datetimeFigureOut">
               <a:rPr lang="de-DE" smtClean="0"/>
               <a:pPr/>
-              <a:t>06.02.2021</a:t>
+              <a:t>14.02.2021</a:t>
             </a:fld>
             <a:endParaRPr lang="de-DE" dirty="0"/>
           </a:p>
@@ -440,7 +452,7 @@
             <a:fld id="{8938226D-47F2-4C83-A95A-C595C97A41D0}" type="datetimeFigureOut">
               <a:rPr lang="de-DE" smtClean="0"/>
               <a:pPr/>
-              <a:t>06.02.2021</a:t>
+              <a:t>14.02.2021</a:t>
             </a:fld>
             <a:endParaRPr lang="de-DE" dirty="0"/>
           </a:p>
@@ -6818,6 +6830,124 @@
 </p:sld>
 </file>
 
+<file path=ppt/slides/slide10.xml><?xml version="1.0" encoding="utf-8"?>
+<p:sld xmlns:a="http://schemas.openxmlformats.org/drawingml/2006/main" xmlns:r="http://schemas.openxmlformats.org/officeDocument/2006/relationships" xmlns:p="http://schemas.openxmlformats.org/presentationml/2006/main">
+  <p:cSld>
+    <p:spTree>
+      <p:nvGrpSpPr>
+        <p:cNvPr id="1" name=""/>
+        <p:cNvGrpSpPr/>
+        <p:nvPr/>
+      </p:nvGrpSpPr>
+      <p:grpSpPr>
+        <a:xfrm>
+          <a:off x="0" y="0"/>
+          <a:ext cx="0" cy="0"/>
+          <a:chOff x="0" y="0"/>
+          <a:chExt cx="0" cy="0"/>
+        </a:xfrm>
+      </p:grpSpPr>
+      <p:sp>
+        <p:nvSpPr>
+          <p:cNvPr id="2" name="Titel 1">
+            <a:extLst>
+              <a:ext uri="{FF2B5EF4-FFF2-40B4-BE49-F238E27FC236}">
+                <a16:creationId xmlns:a16="http://schemas.microsoft.com/office/drawing/2014/main" id="{772F0A91-42A2-4CE5-B82D-76E08C1D589D}"/>
+              </a:ext>
+            </a:extLst>
+          </p:cNvPr>
+          <p:cNvSpPr>
+            <a:spLocks noGrp="1"/>
+          </p:cNvSpPr>
+          <p:nvPr>
+            <p:ph type="title"/>
+          </p:nvPr>
+        </p:nvSpPr>
+        <p:spPr/>
+        <p:txBody>
+          <a:bodyPr/>
+          <a:lstStyle/>
+          <a:p>
+            <a:endParaRPr lang="de-DE" dirty="0"/>
+          </a:p>
+        </p:txBody>
+      </p:sp>
+      <p:sp>
+        <p:nvSpPr>
+          <p:cNvPr id="3" name="Textplatzhalter 2">
+            <a:extLst>
+              <a:ext uri="{FF2B5EF4-FFF2-40B4-BE49-F238E27FC236}">
+                <a16:creationId xmlns:a16="http://schemas.microsoft.com/office/drawing/2014/main" id="{FD8037C8-E8F6-4151-AE4F-EEA37C2FE761}"/>
+              </a:ext>
+            </a:extLst>
+          </p:cNvPr>
+          <p:cNvSpPr>
+            <a:spLocks noGrp="1"/>
+          </p:cNvSpPr>
+          <p:nvPr>
+            <p:ph type="body" sz="quarter" idx="11"/>
+          </p:nvPr>
+        </p:nvSpPr>
+        <p:spPr/>
+        <p:txBody>
+          <a:bodyPr/>
+          <a:lstStyle/>
+          <a:p>
+            <a:pPr marL="0" indent="0">
+              <a:buNone/>
+            </a:pPr>
+            <a:endParaRPr lang="de-DE" dirty="0"/>
+          </a:p>
+        </p:txBody>
+      </p:sp>
+      <p:sp>
+        <p:nvSpPr>
+          <p:cNvPr id="5" name="Textfeld 4">
+            <a:extLst>
+              <a:ext uri="{FF2B5EF4-FFF2-40B4-BE49-F238E27FC236}">
+                <a16:creationId xmlns:a16="http://schemas.microsoft.com/office/drawing/2014/main" id="{0C509240-523E-40E4-B375-811B1DC829A6}"/>
+              </a:ext>
+            </a:extLst>
+          </p:cNvPr>
+          <p:cNvSpPr txBox="1"/>
+          <p:nvPr/>
+        </p:nvSpPr>
+        <p:spPr>
+          <a:xfrm>
+            <a:off x="2346960" y="2122241"/>
+            <a:ext cx="7498080" cy="2646878"/>
+          </a:xfrm>
+          <a:prstGeom prst="rect">
+            <a:avLst/>
+          </a:prstGeom>
+          <a:noFill/>
+        </p:spPr>
+        <p:txBody>
+          <a:bodyPr wrap="square" rtlCol="0">
+            <a:spAutoFit/>
+          </a:bodyPr>
+          <a:lstStyle/>
+          <a:p>
+            <a:r>
+              <a:rPr lang="de-DE" sz="16600" b="1" dirty="0"/>
+              <a:t>Backup</a:t>
+            </a:r>
+          </a:p>
+        </p:txBody>
+      </p:sp>
+    </p:spTree>
+    <p:extLst>
+      <p:ext uri="{BB962C8B-B14F-4D97-AF65-F5344CB8AC3E}">
+        <p14:creationId xmlns:p14="http://schemas.microsoft.com/office/powerpoint/2010/main" val="611076636"/>
+      </p:ext>
+    </p:extLst>
+  </p:cSld>
+  <p:clrMapOvr>
+    <a:masterClrMapping/>
+  </p:clrMapOvr>
+</p:sld>
+</file>
+
 <file path=ppt/slides/slide2.xml><?xml version="1.0" encoding="utf-8"?>
 <p:sld xmlns:a="http://schemas.openxmlformats.org/drawingml/2006/main" xmlns:r="http://schemas.openxmlformats.org/officeDocument/2006/relationships" xmlns:p="http://schemas.openxmlformats.org/presentationml/2006/main">
   <p:cSld>
@@ -6884,6 +7014,22 @@
           <a:bodyPr/>
           <a:lstStyle/>
           <a:p>
+            <a:r>
+              <a:rPr lang="de-DE" dirty="0"/>
+              <a:t>Visuelle Exploration </a:t>
+            </a:r>
+          </a:p>
+          <a:p>
+            <a:r>
+              <a:rPr lang="de-DE" sz="1800" dirty="0"/>
+              <a:t>Datenbereinigung</a:t>
+            </a:r>
+          </a:p>
+          <a:p>
+            <a:r>
+              <a:rPr lang="de-DE" dirty="0"/>
+              <a:t>Deskriptive Analyse</a:t>
+            </a:r>
             <a:endParaRPr lang="de-DE" sz="1800" dirty="0"/>
           </a:p>
         </p:txBody>
@@ -6923,7 +7069,7 @@
           <p:cNvPr id="2" name="Titel 1">
             <a:extLst>
               <a:ext uri="{FF2B5EF4-FFF2-40B4-BE49-F238E27FC236}">
-                <a16:creationId xmlns:a16="http://schemas.microsoft.com/office/drawing/2014/main" id="{2AB953FB-DBB1-4465-8BCD-8E6E3D82589F}"/>
+                <a16:creationId xmlns:a16="http://schemas.microsoft.com/office/drawing/2014/main" id="{8866EF71-470C-43E4-A7F4-05C57AA749DB}"/>
               </a:ext>
             </a:extLst>
           </p:cNvPr>
@@ -6943,15 +7089,75 @@
           </a:p>
         </p:txBody>
       </p:sp>
-      <p:sp>
-        <p:nvSpPr>
-          <p:cNvPr id="3" name="Textplatzhalter 2">
+      <p:pic>
+        <p:nvPicPr>
+          <p:cNvPr id="4" name="Grafik 3">
             <a:extLst>
               <a:ext uri="{FF2B5EF4-FFF2-40B4-BE49-F238E27FC236}">
-                <a16:creationId xmlns:a16="http://schemas.microsoft.com/office/drawing/2014/main" id="{1BD0C930-9EAB-44B1-837F-33C6BADC4002}"/>
+                <a16:creationId xmlns:a16="http://schemas.microsoft.com/office/drawing/2014/main" id="{00B9F9C4-F6B9-47D2-B69D-0595A1DB368C}"/>
               </a:ext>
             </a:extLst>
           </p:cNvPr>
+          <p:cNvPicPr>
+            <a:picLocks noChangeAspect="1"/>
+          </p:cNvPicPr>
+          <p:nvPr/>
+        </p:nvPicPr>
+        <p:blipFill>
+          <a:blip r:embed="rId2"/>
+          <a:stretch>
+            <a:fillRect/>
+          </a:stretch>
+        </p:blipFill>
+        <p:spPr>
+          <a:xfrm>
+            <a:off x="504658" y="1345279"/>
+            <a:ext cx="4716726" cy="2910894"/>
+          </a:xfrm>
+          <a:prstGeom prst="rect">
+            <a:avLst/>
+          </a:prstGeom>
+        </p:spPr>
+      </p:pic>
+      <p:pic>
+        <p:nvPicPr>
+          <p:cNvPr id="5" name="Grafik 4">
+            <a:extLst>
+              <a:ext uri="{FF2B5EF4-FFF2-40B4-BE49-F238E27FC236}">
+                <a16:creationId xmlns:a16="http://schemas.microsoft.com/office/drawing/2014/main" id="{46C4C0F3-59B2-4F56-8295-DF49CE9A46F6}"/>
+              </a:ext>
+            </a:extLst>
+          </p:cNvPr>
+          <p:cNvPicPr>
+            <a:picLocks noChangeAspect="1"/>
+          </p:cNvPicPr>
+          <p:nvPr/>
+        </p:nvPicPr>
+        <p:blipFill>
+          <a:blip r:embed="rId3"/>
+          <a:stretch>
+            <a:fillRect/>
+          </a:stretch>
+        </p:blipFill>
+        <p:spPr>
+          <a:xfrm>
+            <a:off x="6354795" y="1345279"/>
+            <a:ext cx="4716726" cy="2910894"/>
+          </a:xfrm>
+          <a:prstGeom prst="rect">
+            <a:avLst/>
+          </a:prstGeom>
+        </p:spPr>
+      </p:pic>
+      <p:sp>
+        <p:nvSpPr>
+          <p:cNvPr id="6" name="Textplatzhalter 2">
+            <a:extLst>
+              <a:ext uri="{FF2B5EF4-FFF2-40B4-BE49-F238E27FC236}">
+                <a16:creationId xmlns:a16="http://schemas.microsoft.com/office/drawing/2014/main" id="{2992D420-8710-45F2-8FA7-961D59C18798}"/>
+              </a:ext>
+            </a:extLst>
+          </p:cNvPr>
           <p:cNvSpPr>
             <a:spLocks noGrp="1"/>
           </p:cNvSpPr>
@@ -6959,19 +7165,41 @@
             <p:ph type="body" sz="quarter" idx="11"/>
           </p:nvPr>
         </p:nvSpPr>
-        <p:spPr/>
+        <p:spPr>
+          <a:xfrm>
+            <a:off x="226800" y="4432041"/>
+            <a:ext cx="11749302" cy="1454430"/>
+          </a:xfrm>
+        </p:spPr>
         <p:txBody>
           <a:bodyPr/>
           <a:lstStyle/>
           <a:p>
-            <a:endParaRPr lang="de-DE"/>
+            <a:r>
+              <a:rPr lang="de-DE" dirty="0"/>
+              <a:t>Gesamt Kosten </a:t>
+            </a:r>
+            <a:r>
+              <a:rPr lang="de-DE" dirty="0" err="1"/>
+              <a:t>max</a:t>
+            </a:r>
+            <a:r>
+              <a:rPr lang="de-DE" dirty="0"/>
+              <a:t> 5000 und min -1000</a:t>
+            </a:r>
+          </a:p>
+          <a:p>
+            <a:r>
+              <a:rPr lang="de-DE" dirty="0"/>
+              <a:t>Gesamt Umsatz min -1000</a:t>
+            </a:r>
           </a:p>
         </p:txBody>
       </p:sp>
     </p:spTree>
     <p:extLst>
       <p:ext uri="{BB962C8B-B14F-4D97-AF65-F5344CB8AC3E}">
-        <p14:creationId xmlns:p14="http://schemas.microsoft.com/office/powerpoint/2010/main" val="1950781983"/>
+        <p14:creationId xmlns:p14="http://schemas.microsoft.com/office/powerpoint/2010/main" val="476072310"/>
       </p:ext>
     </p:extLst>
   </p:cSld>
@@ -7003,7 +7231,7 @@
           <p:cNvPr id="2" name="Titel 1">
             <a:extLst>
               <a:ext uri="{FF2B5EF4-FFF2-40B4-BE49-F238E27FC236}">
-                <a16:creationId xmlns:a16="http://schemas.microsoft.com/office/drawing/2014/main" id="{772F0A91-42A2-4CE5-B82D-76E08C1D589D}"/>
+                <a16:creationId xmlns:a16="http://schemas.microsoft.com/office/drawing/2014/main" id="{2AB953FB-DBB1-4465-8BCD-8E6E3D82589F}"/>
               </a:ext>
             </a:extLst>
           </p:cNvPr>
@@ -7019,77 +7247,619 @@
           <a:bodyPr/>
           <a:lstStyle/>
           <a:p>
-            <a:endParaRPr lang="de-DE" dirty="0"/>
-          </a:p>
-        </p:txBody>
-      </p:sp>
-      <p:sp>
-        <p:nvSpPr>
-          <p:cNvPr id="3" name="Textplatzhalter 2">
+            <a:endParaRPr lang="de-DE"/>
+          </a:p>
+        </p:txBody>
+      </p:sp>
+      <p:pic>
+        <p:nvPicPr>
+          <p:cNvPr id="5" name="Grafik 4">
             <a:extLst>
               <a:ext uri="{FF2B5EF4-FFF2-40B4-BE49-F238E27FC236}">
-                <a16:creationId xmlns:a16="http://schemas.microsoft.com/office/drawing/2014/main" id="{FD8037C8-E8F6-4151-AE4F-EEA37C2FE761}"/>
+                <a16:creationId xmlns:a16="http://schemas.microsoft.com/office/drawing/2014/main" id="{DA3DFCDA-52A9-478B-8FCE-C5982ECB84F0}"/>
               </a:ext>
             </a:extLst>
           </p:cNvPr>
-          <p:cNvSpPr>
-            <a:spLocks noGrp="1"/>
-          </p:cNvSpPr>
-          <p:nvPr>
-            <p:ph type="body" sz="quarter" idx="11"/>
-          </p:nvPr>
-        </p:nvSpPr>
-        <p:spPr/>
-        <p:txBody>
-          <a:bodyPr/>
-          <a:lstStyle/>
-          <a:p>
-            <a:pPr marL="0" indent="0">
-              <a:buNone/>
-            </a:pPr>
-            <a:endParaRPr lang="de-DE" dirty="0"/>
-          </a:p>
-        </p:txBody>
-      </p:sp>
-      <p:sp>
-        <p:nvSpPr>
-          <p:cNvPr id="5" name="Textfeld 4">
+          <p:cNvPicPr>
+            <a:picLocks noChangeAspect="1"/>
+          </p:cNvPicPr>
+          <p:nvPr/>
+        </p:nvPicPr>
+        <p:blipFill>
+          <a:blip r:embed="rId2"/>
+          <a:stretch>
+            <a:fillRect/>
+          </a:stretch>
+        </p:blipFill>
+        <p:spPr>
+          <a:xfrm>
+            <a:off x="2762666" y="1371857"/>
+            <a:ext cx="6666667" cy="4114286"/>
+          </a:xfrm>
+          <a:prstGeom prst="rect">
+            <a:avLst/>
+          </a:prstGeom>
+        </p:spPr>
+      </p:pic>
+    </p:spTree>
+    <p:extLst>
+      <p:ext uri="{BB962C8B-B14F-4D97-AF65-F5344CB8AC3E}">
+        <p14:creationId xmlns:p14="http://schemas.microsoft.com/office/powerpoint/2010/main" val="1950781983"/>
+      </p:ext>
+    </p:extLst>
+  </p:cSld>
+  <p:clrMapOvr>
+    <a:masterClrMapping/>
+  </p:clrMapOvr>
+</p:sld>
+</file>
+
+<file path=ppt/slides/slide5.xml><?xml version="1.0" encoding="utf-8"?>
+<p:sld xmlns:a="http://schemas.openxmlformats.org/drawingml/2006/main" xmlns:r="http://schemas.openxmlformats.org/officeDocument/2006/relationships" xmlns:p="http://schemas.openxmlformats.org/presentationml/2006/main">
+  <p:cSld>
+    <p:spTree>
+      <p:nvGrpSpPr>
+        <p:cNvPr id="1" name=""/>
+        <p:cNvGrpSpPr/>
+        <p:nvPr/>
+      </p:nvGrpSpPr>
+      <p:grpSpPr>
+        <a:xfrm>
+          <a:off x="0" y="0"/>
+          <a:ext cx="0" cy="0"/>
+          <a:chOff x="0" y="0"/>
+          <a:chExt cx="0" cy="0"/>
+        </a:xfrm>
+      </p:grpSpPr>
+      <p:sp>
+        <p:nvSpPr>
+          <p:cNvPr id="2" name="Titel 1">
             <a:extLst>
               <a:ext uri="{FF2B5EF4-FFF2-40B4-BE49-F238E27FC236}">
-                <a16:creationId xmlns:a16="http://schemas.microsoft.com/office/drawing/2014/main" id="{0C509240-523E-40E4-B375-811B1DC829A6}"/>
+                <a16:creationId xmlns:a16="http://schemas.microsoft.com/office/drawing/2014/main" id="{FB7AB264-F1A2-46BC-8698-05ABF12F696F}"/>
               </a:ext>
             </a:extLst>
           </p:cNvPr>
-          <p:cNvSpPr txBox="1"/>
+          <p:cNvSpPr>
+            <a:spLocks noGrp="1"/>
+          </p:cNvSpPr>
+          <p:nvPr>
+            <p:ph type="title"/>
+          </p:nvPr>
+        </p:nvSpPr>
+        <p:spPr/>
+        <p:txBody>
+          <a:bodyPr/>
+          <a:lstStyle/>
+          <a:p>
+            <a:endParaRPr lang="de-DE"/>
+          </a:p>
+        </p:txBody>
+      </p:sp>
+      <p:pic>
+        <p:nvPicPr>
+          <p:cNvPr id="4" name="Grafik 3">
+            <a:extLst>
+              <a:ext uri="{FF2B5EF4-FFF2-40B4-BE49-F238E27FC236}">
+                <a16:creationId xmlns:a16="http://schemas.microsoft.com/office/drawing/2014/main" id="{F820ABA7-C0D0-4957-9341-06DAC3C38675}"/>
+              </a:ext>
+            </a:extLst>
+          </p:cNvPr>
+          <p:cNvPicPr>
+            <a:picLocks noChangeAspect="1"/>
+          </p:cNvPicPr>
           <p:nvPr/>
-        </p:nvSpPr>
-        <p:spPr>
-          <a:xfrm>
-            <a:off x="2346960" y="2122241"/>
-            <a:ext cx="7498080" cy="2646878"/>
+        </p:nvPicPr>
+        <p:blipFill>
+          <a:blip r:embed="rId2"/>
+          <a:stretch>
+            <a:fillRect/>
+          </a:stretch>
+        </p:blipFill>
+        <p:spPr>
+          <a:xfrm>
+            <a:off x="2762666" y="1371857"/>
+            <a:ext cx="6666667" cy="4114286"/>
           </a:xfrm>
           <a:prstGeom prst="rect">
             <a:avLst/>
           </a:prstGeom>
-          <a:noFill/>
-        </p:spPr>
-        <p:txBody>
-          <a:bodyPr wrap="square" rtlCol="0">
-            <a:spAutoFit/>
-          </a:bodyPr>
-          <a:lstStyle/>
-          <a:p>
-            <a:r>
-              <a:rPr lang="de-DE" sz="16600" b="1" dirty="0"/>
-              <a:t>Backup</a:t>
-            </a:r>
-          </a:p>
-        </p:txBody>
-      </p:sp>
+        </p:spPr>
+      </p:pic>
     </p:spTree>
     <p:extLst>
       <p:ext uri="{BB962C8B-B14F-4D97-AF65-F5344CB8AC3E}">
-        <p14:creationId xmlns:p14="http://schemas.microsoft.com/office/powerpoint/2010/main" val="611076636"/>
+        <p14:creationId xmlns:p14="http://schemas.microsoft.com/office/powerpoint/2010/main" val="2617895475"/>
+      </p:ext>
+    </p:extLst>
+  </p:cSld>
+  <p:clrMapOvr>
+    <a:masterClrMapping/>
+  </p:clrMapOvr>
+</p:sld>
+</file>
+
+<file path=ppt/slides/slide6.xml><?xml version="1.0" encoding="utf-8"?>
+<p:sld xmlns:a="http://schemas.openxmlformats.org/drawingml/2006/main" xmlns:r="http://schemas.openxmlformats.org/officeDocument/2006/relationships" xmlns:p="http://schemas.openxmlformats.org/presentationml/2006/main">
+  <p:cSld>
+    <p:spTree>
+      <p:nvGrpSpPr>
+        <p:cNvPr id="1" name=""/>
+        <p:cNvGrpSpPr/>
+        <p:nvPr/>
+      </p:nvGrpSpPr>
+      <p:grpSpPr>
+        <a:xfrm>
+          <a:off x="0" y="0"/>
+          <a:ext cx="0" cy="0"/>
+          <a:chOff x="0" y="0"/>
+          <a:chExt cx="0" cy="0"/>
+        </a:xfrm>
+      </p:grpSpPr>
+      <p:sp>
+        <p:nvSpPr>
+          <p:cNvPr id="2" name="Titel 1">
+            <a:extLst>
+              <a:ext uri="{FF2B5EF4-FFF2-40B4-BE49-F238E27FC236}">
+                <a16:creationId xmlns:a16="http://schemas.microsoft.com/office/drawing/2014/main" id="{87E9B975-5699-4415-83AB-8B59B30D85EC}"/>
+              </a:ext>
+            </a:extLst>
+          </p:cNvPr>
+          <p:cNvSpPr>
+            <a:spLocks noGrp="1"/>
+          </p:cNvSpPr>
+          <p:nvPr>
+            <p:ph type="title"/>
+          </p:nvPr>
+        </p:nvSpPr>
+        <p:spPr/>
+        <p:txBody>
+          <a:bodyPr/>
+          <a:lstStyle/>
+          <a:p>
+            <a:endParaRPr lang="de-DE"/>
+          </a:p>
+        </p:txBody>
+      </p:sp>
+      <p:pic>
+        <p:nvPicPr>
+          <p:cNvPr id="9" name="Grafik 8">
+            <a:extLst>
+              <a:ext uri="{FF2B5EF4-FFF2-40B4-BE49-F238E27FC236}">
+                <a16:creationId xmlns:a16="http://schemas.microsoft.com/office/drawing/2014/main" id="{B3F89C0E-B49A-4AC6-A78D-4F11E83C25ED}"/>
+              </a:ext>
+            </a:extLst>
+          </p:cNvPr>
+          <p:cNvPicPr>
+            <a:picLocks noChangeAspect="1"/>
+          </p:cNvPicPr>
+          <p:nvPr/>
+        </p:nvPicPr>
+        <p:blipFill>
+          <a:blip r:embed="rId2"/>
+          <a:stretch>
+            <a:fillRect/>
+          </a:stretch>
+        </p:blipFill>
+        <p:spPr>
+          <a:xfrm>
+            <a:off x="5823455" y="1029015"/>
+            <a:ext cx="5574637" cy="3440348"/>
+          </a:xfrm>
+          <a:prstGeom prst="rect">
+            <a:avLst/>
+          </a:prstGeom>
+        </p:spPr>
+      </p:pic>
+      <p:pic>
+        <p:nvPicPr>
+          <p:cNvPr id="10" name="Grafik 9">
+            <a:extLst>
+              <a:ext uri="{FF2B5EF4-FFF2-40B4-BE49-F238E27FC236}">
+                <a16:creationId xmlns:a16="http://schemas.microsoft.com/office/drawing/2014/main" id="{6EF09114-607E-44B5-A214-3BCE7F865132}"/>
+              </a:ext>
+            </a:extLst>
+          </p:cNvPr>
+          <p:cNvPicPr>
+            <a:picLocks noChangeAspect="1"/>
+          </p:cNvPicPr>
+          <p:nvPr/>
+        </p:nvPicPr>
+        <p:blipFill>
+          <a:blip r:embed="rId3"/>
+          <a:stretch>
+            <a:fillRect/>
+          </a:stretch>
+        </p:blipFill>
+        <p:spPr>
+          <a:xfrm>
+            <a:off x="5823455" y="3811609"/>
+            <a:ext cx="4762084" cy="2938886"/>
+          </a:xfrm>
+          <a:prstGeom prst="rect">
+            <a:avLst/>
+          </a:prstGeom>
+        </p:spPr>
+      </p:pic>
+      <p:pic>
+        <p:nvPicPr>
+          <p:cNvPr id="11" name="Grafik 10">
+            <a:extLst>
+              <a:ext uri="{FF2B5EF4-FFF2-40B4-BE49-F238E27FC236}">
+                <a16:creationId xmlns:a16="http://schemas.microsoft.com/office/drawing/2014/main" id="{FB835203-928D-43ED-8764-A7EEA1FD80CA}"/>
+              </a:ext>
+            </a:extLst>
+          </p:cNvPr>
+          <p:cNvPicPr>
+            <a:picLocks noChangeAspect="1"/>
+          </p:cNvPicPr>
+          <p:nvPr/>
+        </p:nvPicPr>
+        <p:blipFill>
+          <a:blip r:embed="rId4"/>
+          <a:stretch>
+            <a:fillRect/>
+          </a:stretch>
+        </p:blipFill>
+        <p:spPr>
+          <a:xfrm>
+            <a:off x="363742" y="914657"/>
+            <a:ext cx="6666667" cy="4114286"/>
+          </a:xfrm>
+          <a:prstGeom prst="rect">
+            <a:avLst/>
+          </a:prstGeom>
+        </p:spPr>
+      </p:pic>
+    </p:spTree>
+    <p:extLst>
+      <p:ext uri="{BB962C8B-B14F-4D97-AF65-F5344CB8AC3E}">
+        <p14:creationId xmlns:p14="http://schemas.microsoft.com/office/powerpoint/2010/main" val="1870054721"/>
+      </p:ext>
+    </p:extLst>
+  </p:cSld>
+  <p:clrMapOvr>
+    <a:masterClrMapping/>
+  </p:clrMapOvr>
+</p:sld>
+</file>
+
+<file path=ppt/slides/slide7.xml><?xml version="1.0" encoding="utf-8"?>
+<p:sld xmlns:a="http://schemas.openxmlformats.org/drawingml/2006/main" xmlns:r="http://schemas.openxmlformats.org/officeDocument/2006/relationships" xmlns:p="http://schemas.openxmlformats.org/presentationml/2006/main">
+  <p:cSld>
+    <p:spTree>
+      <p:nvGrpSpPr>
+        <p:cNvPr id="1" name=""/>
+        <p:cNvGrpSpPr/>
+        <p:nvPr/>
+      </p:nvGrpSpPr>
+      <p:grpSpPr>
+        <a:xfrm>
+          <a:off x="0" y="0"/>
+          <a:ext cx="0" cy="0"/>
+          <a:chOff x="0" y="0"/>
+          <a:chExt cx="0" cy="0"/>
+        </a:xfrm>
+      </p:grpSpPr>
+      <p:sp>
+        <p:nvSpPr>
+          <p:cNvPr id="2" name="Titel 1">
+            <a:extLst>
+              <a:ext uri="{FF2B5EF4-FFF2-40B4-BE49-F238E27FC236}">
+                <a16:creationId xmlns:a16="http://schemas.microsoft.com/office/drawing/2014/main" id="{C6A3B68A-4890-4A22-A6B3-3C867D446547}"/>
+              </a:ext>
+            </a:extLst>
+          </p:cNvPr>
+          <p:cNvSpPr>
+            <a:spLocks noGrp="1"/>
+          </p:cNvSpPr>
+          <p:nvPr>
+            <p:ph type="title"/>
+          </p:nvPr>
+        </p:nvSpPr>
+        <p:spPr/>
+        <p:txBody>
+          <a:bodyPr/>
+          <a:lstStyle/>
+          <a:p>
+            <a:endParaRPr lang="de-DE"/>
+          </a:p>
+        </p:txBody>
+      </p:sp>
+      <p:pic>
+        <p:nvPicPr>
+          <p:cNvPr id="4" name="Grafik 3">
+            <a:extLst>
+              <a:ext uri="{FF2B5EF4-FFF2-40B4-BE49-F238E27FC236}">
+                <a16:creationId xmlns:a16="http://schemas.microsoft.com/office/drawing/2014/main" id="{86561E46-1EEE-43F0-A7D2-5BF03F02828D}"/>
+              </a:ext>
+            </a:extLst>
+          </p:cNvPr>
+          <p:cNvPicPr>
+            <a:picLocks noChangeAspect="1"/>
+          </p:cNvPicPr>
+          <p:nvPr/>
+        </p:nvPicPr>
+        <p:blipFill>
+          <a:blip r:embed="rId2"/>
+          <a:stretch>
+            <a:fillRect/>
+          </a:stretch>
+        </p:blipFill>
+        <p:spPr>
+          <a:xfrm>
+            <a:off x="588634" y="1465163"/>
+            <a:ext cx="6666667" cy="4114286"/>
+          </a:xfrm>
+          <a:prstGeom prst="rect">
+            <a:avLst/>
+          </a:prstGeom>
+        </p:spPr>
+      </p:pic>
+      <p:pic>
+        <p:nvPicPr>
+          <p:cNvPr id="5" name="Grafik 4">
+            <a:extLst>
+              <a:ext uri="{FF2B5EF4-FFF2-40B4-BE49-F238E27FC236}">
+                <a16:creationId xmlns:a16="http://schemas.microsoft.com/office/drawing/2014/main" id="{1DFDB5F0-AFF1-4488-B377-1E3C66422922}"/>
+              </a:ext>
+            </a:extLst>
+          </p:cNvPr>
+          <p:cNvPicPr>
+            <a:picLocks noChangeAspect="1"/>
+          </p:cNvPicPr>
+          <p:nvPr/>
+        </p:nvPicPr>
+        <p:blipFill>
+          <a:blip r:embed="rId3"/>
+          <a:stretch>
+            <a:fillRect/>
+          </a:stretch>
+        </p:blipFill>
+        <p:spPr>
+          <a:xfrm>
+            <a:off x="6429596" y="1877018"/>
+            <a:ext cx="5696929" cy="3515819"/>
+          </a:xfrm>
+          <a:prstGeom prst="rect">
+            <a:avLst/>
+          </a:prstGeom>
+        </p:spPr>
+      </p:pic>
+    </p:spTree>
+    <p:extLst>
+      <p:ext uri="{BB962C8B-B14F-4D97-AF65-F5344CB8AC3E}">
+        <p14:creationId xmlns:p14="http://schemas.microsoft.com/office/powerpoint/2010/main" val="863647590"/>
+      </p:ext>
+    </p:extLst>
+  </p:cSld>
+  <p:clrMapOvr>
+    <a:masterClrMapping/>
+  </p:clrMapOvr>
+</p:sld>
+</file>
+
+<file path=ppt/slides/slide8.xml><?xml version="1.0" encoding="utf-8"?>
+<p:sld xmlns:a="http://schemas.openxmlformats.org/drawingml/2006/main" xmlns:r="http://schemas.openxmlformats.org/officeDocument/2006/relationships" xmlns:p="http://schemas.openxmlformats.org/presentationml/2006/main">
+  <p:cSld>
+    <p:spTree>
+      <p:nvGrpSpPr>
+        <p:cNvPr id="1" name=""/>
+        <p:cNvGrpSpPr/>
+        <p:nvPr/>
+      </p:nvGrpSpPr>
+      <p:grpSpPr>
+        <a:xfrm>
+          <a:off x="0" y="0"/>
+          <a:ext cx="0" cy="0"/>
+          <a:chOff x="0" y="0"/>
+          <a:chExt cx="0" cy="0"/>
+        </a:xfrm>
+      </p:grpSpPr>
+      <p:sp>
+        <p:nvSpPr>
+          <p:cNvPr id="2" name="Titel 1">
+            <a:extLst>
+              <a:ext uri="{FF2B5EF4-FFF2-40B4-BE49-F238E27FC236}">
+                <a16:creationId xmlns:a16="http://schemas.microsoft.com/office/drawing/2014/main" id="{91A43A20-9783-4053-B961-98BA8E633FAA}"/>
+              </a:ext>
+            </a:extLst>
+          </p:cNvPr>
+          <p:cNvSpPr>
+            <a:spLocks noGrp="1"/>
+          </p:cNvSpPr>
+          <p:nvPr>
+            <p:ph type="title"/>
+          </p:nvPr>
+        </p:nvSpPr>
+        <p:spPr/>
+        <p:txBody>
+          <a:bodyPr/>
+          <a:lstStyle/>
+          <a:p>
+            <a:endParaRPr lang="de-DE"/>
+          </a:p>
+        </p:txBody>
+      </p:sp>
+      <p:pic>
+        <p:nvPicPr>
+          <p:cNvPr id="5" name="Grafik 4">
+            <a:extLst>
+              <a:ext uri="{FF2B5EF4-FFF2-40B4-BE49-F238E27FC236}">
+                <a16:creationId xmlns:a16="http://schemas.microsoft.com/office/drawing/2014/main" id="{5412C3C0-17E6-4AA6-8763-1223E892DD1B}"/>
+              </a:ext>
+            </a:extLst>
+          </p:cNvPr>
+          <p:cNvPicPr>
+            <a:picLocks noChangeAspect="1"/>
+          </p:cNvPicPr>
+          <p:nvPr/>
+        </p:nvPicPr>
+        <p:blipFill>
+          <a:blip r:embed="rId2"/>
+          <a:stretch>
+            <a:fillRect/>
+          </a:stretch>
+        </p:blipFill>
+        <p:spPr>
+          <a:xfrm>
+            <a:off x="2762666" y="1371857"/>
+            <a:ext cx="6666667" cy="4114286"/>
+          </a:xfrm>
+          <a:prstGeom prst="rect">
+            <a:avLst/>
+          </a:prstGeom>
+        </p:spPr>
+      </p:pic>
+    </p:spTree>
+    <p:extLst>
+      <p:ext uri="{BB962C8B-B14F-4D97-AF65-F5344CB8AC3E}">
+        <p14:creationId xmlns:p14="http://schemas.microsoft.com/office/powerpoint/2010/main" val="2553991813"/>
+      </p:ext>
+    </p:extLst>
+  </p:cSld>
+  <p:clrMapOvr>
+    <a:masterClrMapping/>
+  </p:clrMapOvr>
+</p:sld>
+</file>
+
+<file path=ppt/slides/slide9.xml><?xml version="1.0" encoding="utf-8"?>
+<p:sld xmlns:a="http://schemas.openxmlformats.org/drawingml/2006/main" xmlns:r="http://schemas.openxmlformats.org/officeDocument/2006/relationships" xmlns:p="http://schemas.openxmlformats.org/presentationml/2006/main">
+  <p:cSld>
+    <p:spTree>
+      <p:nvGrpSpPr>
+        <p:cNvPr id="1" name=""/>
+        <p:cNvGrpSpPr/>
+        <p:nvPr/>
+      </p:nvGrpSpPr>
+      <p:grpSpPr>
+        <a:xfrm>
+          <a:off x="0" y="0"/>
+          <a:ext cx="0" cy="0"/>
+          <a:chOff x="0" y="0"/>
+          <a:chExt cx="0" cy="0"/>
+        </a:xfrm>
+      </p:grpSpPr>
+      <p:sp>
+        <p:nvSpPr>
+          <p:cNvPr id="2" name="Titel 1">
+            <a:extLst>
+              <a:ext uri="{FF2B5EF4-FFF2-40B4-BE49-F238E27FC236}">
+                <a16:creationId xmlns:a16="http://schemas.microsoft.com/office/drawing/2014/main" id="{838FF7E7-EB22-42A0-AF52-976B6DC1989B}"/>
+              </a:ext>
+            </a:extLst>
+          </p:cNvPr>
+          <p:cNvSpPr>
+            <a:spLocks noGrp="1"/>
+          </p:cNvSpPr>
+          <p:nvPr>
+            <p:ph type="title"/>
+          </p:nvPr>
+        </p:nvSpPr>
+        <p:spPr/>
+        <p:txBody>
+          <a:bodyPr/>
+          <a:lstStyle/>
+          <a:p>
+            <a:endParaRPr lang="de-DE"/>
+          </a:p>
+        </p:txBody>
+      </p:sp>
+      <p:pic>
+        <p:nvPicPr>
+          <p:cNvPr id="4" name="Grafik 3">
+            <a:extLst>
+              <a:ext uri="{FF2B5EF4-FFF2-40B4-BE49-F238E27FC236}">
+                <a16:creationId xmlns:a16="http://schemas.microsoft.com/office/drawing/2014/main" id="{3A1BA3C6-52EA-44D2-B65D-4833E91C6E5A}"/>
+              </a:ext>
+            </a:extLst>
+          </p:cNvPr>
+          <p:cNvPicPr>
+            <a:picLocks noChangeAspect="1"/>
+          </p:cNvPicPr>
+          <p:nvPr/>
+        </p:nvPicPr>
+        <p:blipFill>
+          <a:blip r:embed="rId2"/>
+          <a:stretch>
+            <a:fillRect/>
+          </a:stretch>
+        </p:blipFill>
+        <p:spPr>
+          <a:xfrm>
+            <a:off x="423793" y="1033858"/>
+            <a:ext cx="5672207" cy="3500562"/>
+          </a:xfrm>
+          <a:prstGeom prst="rect">
+            <a:avLst/>
+          </a:prstGeom>
+        </p:spPr>
+      </p:pic>
+      <p:pic>
+        <p:nvPicPr>
+          <p:cNvPr id="6" name="Grafik 5">
+            <a:extLst>
+              <a:ext uri="{FF2B5EF4-FFF2-40B4-BE49-F238E27FC236}">
+                <a16:creationId xmlns:a16="http://schemas.microsoft.com/office/drawing/2014/main" id="{05B41211-157C-4EA1-9B08-9127539029C8}"/>
+              </a:ext>
+            </a:extLst>
+          </p:cNvPr>
+          <p:cNvPicPr>
+            <a:picLocks noChangeAspect="1"/>
+          </p:cNvPicPr>
+          <p:nvPr/>
+        </p:nvPicPr>
+        <p:blipFill>
+          <a:blip r:embed="rId3"/>
+          <a:stretch>
+            <a:fillRect/>
+          </a:stretch>
+        </p:blipFill>
+        <p:spPr>
+          <a:xfrm>
+            <a:off x="6569283" y="1248039"/>
+            <a:ext cx="4978099" cy="3072199"/>
+          </a:xfrm>
+          <a:prstGeom prst="rect">
+            <a:avLst/>
+          </a:prstGeom>
+        </p:spPr>
+      </p:pic>
+      <p:pic>
+        <p:nvPicPr>
+          <p:cNvPr id="7" name="Grafik 6">
+            <a:extLst>
+              <a:ext uri="{FF2B5EF4-FFF2-40B4-BE49-F238E27FC236}">
+                <a16:creationId xmlns:a16="http://schemas.microsoft.com/office/drawing/2014/main" id="{86C8164F-7959-4F39-A61B-20D26010FA7B}"/>
+              </a:ext>
+            </a:extLst>
+          </p:cNvPr>
+          <p:cNvPicPr>
+            <a:picLocks noChangeAspect="1"/>
+          </p:cNvPicPr>
+          <p:nvPr/>
+        </p:nvPicPr>
+        <p:blipFill>
+          <a:blip r:embed="rId4"/>
+          <a:stretch>
+            <a:fillRect/>
+          </a:stretch>
+        </p:blipFill>
+        <p:spPr>
+          <a:xfrm>
+            <a:off x="2269065" y="3265347"/>
+            <a:ext cx="4747556" cy="2929921"/>
+          </a:xfrm>
+          <a:prstGeom prst="rect">
+            <a:avLst/>
+          </a:prstGeom>
+        </p:spPr>
+      </p:pic>
+    </p:spTree>
+    <p:extLst>
+      <p:ext uri="{BB962C8B-B14F-4D97-AF65-F5344CB8AC3E}">
+        <p14:creationId xmlns:p14="http://schemas.microsoft.com/office/powerpoint/2010/main" val="2493577502"/>
       </p:ext>
     </p:extLst>
   </p:cSld>
